--- a/sd/qa/unit/data/pptx/tdf125573_FontWorkScaleX.pptx
+++ b/sd/qa/unit/data/pptx/tdf125573_FontWorkScaleX.pptx
@@ -2429,8 +2429,8 @@
                   </a:gsLst>
                   <a:lin ang="5400000" scaled="1"/>
                 </a:gradFill>
-                <a:latin typeface="Cambria" panose="02040503050406030204" pitchFamily="18" charset="0"/>
-                <a:ea typeface="Cambria" panose="02040503050406030204" pitchFamily="18" charset="0"/>
+                <a:latin typeface="Calibri" panose="02040503050406030204" pitchFamily="18" charset="0"/>
+                <a:ea typeface="Calibri" panose="02040503050406030204" pitchFamily="18" charset="0"/>
               </a:rPr>
               <a:t>This is a long, long first line.</a:t>
             </a:r>
@@ -2457,8 +2457,8 @@
                   </a:gsLst>
                   <a:lin ang="5400000" scaled="1"/>
                 </a:gradFill>
-                <a:latin typeface="Cambria" panose="02040503050406030204" pitchFamily="18" charset="0"/>
-                <a:ea typeface="Cambria" panose="02040503050406030204" pitchFamily="18" charset="0"/>
+                <a:latin typeface="Calibri" panose="02040503050406030204" pitchFamily="18" charset="0"/>
+                <a:ea typeface="Calibri" panose="02040503050406030204" pitchFamily="18" charset="0"/>
               </a:rPr>
               <a:t>Second line short</a:t>
             </a:r>
